--- a/Lectures/1 - Model Basics.pptx
+++ b/Lectures/1 - Model Basics.pptx
@@ -5,10 +5,10 @@
     <p:sldMasterId id="2147484095" r:id="rId1"/>
   </p:sldMasterIdLst>
   <p:notesMasterIdLst>
-    <p:notesMasterId r:id="rId16"/>
+    <p:notesMasterId r:id="rId17"/>
   </p:notesMasterIdLst>
   <p:handoutMasterIdLst>
-    <p:handoutMasterId r:id="rId17"/>
+    <p:handoutMasterId r:id="rId18"/>
   </p:handoutMasterIdLst>
   <p:sldIdLst>
     <p:sldId id="256" r:id="rId2"/>
@@ -25,6 +25,7 @@
     <p:sldId id="355" r:id="rId13"/>
     <p:sldId id="356" r:id="rId14"/>
     <p:sldId id="357" r:id="rId15"/>
+    <p:sldId id="358" r:id="rId16"/>
   </p:sldIdLst>
   <p:sldSz cx="12192000" cy="6858000"/>
   <p:notesSz cx="7315200" cy="9601200"/>
@@ -814,6 +815,118 @@
     <p:extLst>
       <p:ext uri="{BB962C8B-B14F-4D97-AF65-F5344CB8AC3E}">
         <p14:creationId xmlns:p14="http://schemas.microsoft.com/office/powerpoint/2010/main" val="2335280494"/>
+      </p:ext>
+    </p:extLst>
+  </p:cSld>
+  <p:clrMapOvr>
+    <a:masterClrMapping/>
+  </p:clrMapOvr>
+</p:notes>
+</file>
+
+<file path=ppt/notesSlides/notesSlide2.xml><?xml version="1.0" encoding="utf-8"?>
+<p:notes xmlns:a="http://schemas.openxmlformats.org/drawingml/2006/main" xmlns:r="http://schemas.openxmlformats.org/officeDocument/2006/relationships" xmlns:p="http://schemas.openxmlformats.org/presentationml/2006/main">
+  <p:cSld>
+    <p:spTree>
+      <p:nvGrpSpPr>
+        <p:cNvPr id="1" name=""/>
+        <p:cNvGrpSpPr/>
+        <p:nvPr/>
+      </p:nvGrpSpPr>
+      <p:grpSpPr>
+        <a:xfrm>
+          <a:off x="0" y="0"/>
+          <a:ext cx="0" cy="0"/>
+          <a:chOff x="0" y="0"/>
+          <a:chExt cx="0" cy="0"/>
+        </a:xfrm>
+      </p:grpSpPr>
+      <p:sp>
+        <p:nvSpPr>
+          <p:cNvPr id="2" name="Slide Image Placeholder 1"/>
+          <p:cNvSpPr>
+            <a:spLocks noGrp="1" noRot="1" noChangeAspect="1"/>
+          </p:cNvSpPr>
+          <p:nvPr>
+            <p:ph type="sldImg"/>
+          </p:nvPr>
+        </p:nvSpPr>
+        <p:spPr/>
+      </p:sp>
+      <p:sp>
+        <p:nvSpPr>
+          <p:cNvPr id="3" name="Notes Placeholder 2"/>
+          <p:cNvSpPr>
+            <a:spLocks noGrp="1"/>
+          </p:cNvSpPr>
+          <p:nvPr>
+            <p:ph type="body" idx="1"/>
+          </p:nvPr>
+        </p:nvSpPr>
+        <p:spPr/>
+        <p:txBody>
+          <a:bodyPr/>
+          <a:lstStyle/>
+          <a:p>
+            <a:endParaRPr lang="en-US" dirty="0"/>
+          </a:p>
+        </p:txBody>
+      </p:sp>
+      <p:sp>
+        <p:nvSpPr>
+          <p:cNvPr id="4" name="Date Placeholder 3"/>
+          <p:cNvSpPr>
+            <a:spLocks noGrp="1"/>
+          </p:cNvSpPr>
+          <p:nvPr>
+            <p:ph type="dt" idx="1"/>
+          </p:nvPr>
+        </p:nvSpPr>
+        <p:spPr/>
+        <p:txBody>
+          <a:bodyPr/>
+          <a:lstStyle/>
+          <a:p>
+            <a:pPr>
+              <a:defRPr/>
+            </a:pPr>
+            <a:endParaRPr lang="en-US"/>
+          </a:p>
+        </p:txBody>
+      </p:sp>
+      <p:sp>
+        <p:nvSpPr>
+          <p:cNvPr id="5" name="Slide Number Placeholder 4"/>
+          <p:cNvSpPr>
+            <a:spLocks noGrp="1"/>
+          </p:cNvSpPr>
+          <p:nvPr>
+            <p:ph type="sldNum" sz="quarter" idx="5"/>
+          </p:nvPr>
+        </p:nvSpPr>
+        <p:spPr/>
+        <p:txBody>
+          <a:bodyPr/>
+          <a:lstStyle/>
+          <a:p>
+            <a:pPr>
+              <a:defRPr/>
+            </a:pPr>
+            <a:fld id="{6C70A9D8-DEDF-4F03-902A-0D8BAAEBE594}" type="slidenum">
+              <a:rPr lang="en-US" smtClean="0"/>
+              <a:pPr>
+                <a:defRPr/>
+              </a:pPr>
+              <a:t>15</a:t>
+            </a:fld>
+            <a:endParaRPr lang="en-US"/>
+          </a:p>
+        </p:txBody>
+      </p:sp>
+    </p:spTree>
+    <p:extLst>
+      <p:ext uri="{BB962C8B-B14F-4D97-AF65-F5344CB8AC3E}">
+        <p14:creationId xmlns:p14="http://schemas.microsoft.com/office/powerpoint/2010/main" val="2445243990"/>
       </p:ext>
     </p:extLst>
   </p:cSld>
@@ -4253,7 +4366,7 @@
                 <a:ea typeface="+mn-ea"/>
                 <a:cs typeface="+mn-cs"/>
               </a:rPr>
-              <a:t>Reading:		0.1, 0.2</a:t>
+              <a:t>Reading:		0.1</a:t>
             </a:r>
           </a:p>
           <a:p>
@@ -5832,6 +5945,67 @@
           </a:p>
         </p:txBody>
       </p:sp>
+      <p:sp>
+        <p:nvSpPr>
+          <p:cNvPr id="3" name="TextBox 2">
+            <a:extLst>
+              <a:ext uri="{FF2B5EF4-FFF2-40B4-BE49-F238E27FC236}">
+                <a16:creationId xmlns:a16="http://schemas.microsoft.com/office/drawing/2014/main" id="{198CF8AC-87DF-7FA9-314F-52FBF8BED237}"/>
+              </a:ext>
+            </a:extLst>
+          </p:cNvPr>
+          <p:cNvSpPr txBox="1"/>
+          <p:nvPr/>
+        </p:nvSpPr>
+        <p:spPr>
+          <a:xfrm>
+            <a:off x="495300" y="5830990"/>
+            <a:ext cx="11201400" cy="578882"/>
+          </a:xfrm>
+          <a:prstGeom prst="roundRect">
+            <a:avLst/>
+          </a:prstGeom>
+          <a:solidFill>
+            <a:schemeClr val="bg1"/>
+          </a:solidFill>
+          <a:ln w="76200">
+            <a:solidFill>
+              <a:srgbClr val="FFC416"/>
+            </a:solidFill>
+          </a:ln>
+        </p:spPr>
+        <p:style>
+          <a:lnRef idx="2">
+            <a:schemeClr val="dk1"/>
+          </a:lnRef>
+          <a:fillRef idx="1">
+            <a:schemeClr val="lt1"/>
+          </a:fillRef>
+          <a:effectRef idx="0">
+            <a:schemeClr val="dk1"/>
+          </a:effectRef>
+          <a:fontRef idx="minor">
+            <a:schemeClr val="dk1"/>
+          </a:fontRef>
+        </p:style>
+        <p:txBody>
+          <a:bodyPr wrap="square" rtlCol="0">
+            <a:spAutoFit/>
+          </a:bodyPr>
+          <a:lstStyle/>
+          <a:p>
+            <a:pPr algn="ctr"/>
+            <a:r>
+              <a:rPr lang="en-US" sz="2800" dirty="0">
+                <a:solidFill>
+                  <a:srgbClr val="660066"/>
+                </a:solidFill>
+              </a:rPr>
+              <a:t>Download R and RStudio to Your Computer</a:t>
+            </a:r>
+          </a:p>
+        </p:txBody>
+      </p:sp>
     </p:spTree>
     <p:extLst>
       <p:ext uri="{BB962C8B-B14F-4D97-AF65-F5344CB8AC3E}">
@@ -6080,7 +6254,7 @@
                   <a:srgbClr val="660066"/>
                 </a:solidFill>
               </a:rPr>
-              <a:t>Download Zip Folder on Course Website for Lecture 1</a:t>
+              <a:t>Download Zip Folder on Course Website for Supplement</a:t>
             </a:r>
           </a:p>
           <a:p>
@@ -6138,7 +6312,7 @@
                   <a:srgbClr val="660066"/>
                 </a:solidFill>
               </a:rPr>
-              <a:t>Rmd</a:t>
+              <a:t>Template.rmd</a:t>
             </a:r>
             <a:r>
               <a:rPr lang="en-US" sz="2800" dirty="0">
@@ -6166,20 +6340,12 @@
               <a:buChar char="•"/>
             </a:pPr>
             <a:r>
-              <a:rPr lang="en-US" sz="2800" dirty="0" err="1">
+              <a:rPr lang="en-US" sz="2800" dirty="0">
                 <a:solidFill>
                   <a:srgbClr val="660066"/>
                 </a:solidFill>
               </a:rPr>
-              <a:t>Rmd</a:t>
-            </a:r>
-            <a:r>
-              <a:rPr lang="en-US" sz="2800" dirty="0">
-                <a:solidFill>
-                  <a:srgbClr val="660066"/>
-                </a:solidFill>
-              </a:rPr>
-              <a:t> Files Should Automatically Open in RStudio </a:t>
+              <a:t>RMD Files Should Automatically Open in RStudio </a:t>
             </a:r>
           </a:p>
         </p:txBody>
@@ -6826,7 +6992,7 @@
         <p:spPr>
           <a:xfrm>
             <a:off x="495300" y="1977074"/>
-            <a:ext cx="11201400" cy="3439239"/>
+            <a:ext cx="11201400" cy="3915966"/>
           </a:xfrm>
           <a:prstGeom prst="roundRect">
             <a:avLst/>
@@ -6949,12 +7115,26 @@
               <a:buChar char="•"/>
             </a:pPr>
             <a:r>
+              <a:rPr lang="en-US" sz="2800" dirty="0">
+                <a:solidFill>
+                  <a:srgbClr val="660066"/>
+                </a:solidFill>
+              </a:rPr>
+              <a:t>Mathematical Calculations</a:t>
+            </a:r>
+          </a:p>
+          <a:p>
+            <a:pPr marL="457200" indent="-457200">
+              <a:buFont typeface="Arial" panose="020B0604020202020204" pitchFamily="34" charset="0"/>
+              <a:buChar char="•"/>
+            </a:pPr>
+            <a:r>
               <a:rPr lang="en-US" sz="2800">
                 <a:solidFill>
                   <a:srgbClr val="660066"/>
                 </a:solidFill>
               </a:rPr>
-              <a:t>Basic </a:t>
+              <a:t>Statistical </a:t>
             </a:r>
             <a:r>
               <a:rPr lang="en-US" sz="2800" dirty="0">
@@ -6962,7 +7142,7 @@
                   <a:srgbClr val="660066"/>
                 </a:solidFill>
               </a:rPr>
-              <a:t>Statistical Functions</a:t>
+              <a:t>Functions</a:t>
             </a:r>
           </a:p>
         </p:txBody>
@@ -6971,6 +7151,380 @@
     <p:extLst>
       <p:ext uri="{BB962C8B-B14F-4D97-AF65-F5344CB8AC3E}">
         <p14:creationId xmlns:p14="http://schemas.microsoft.com/office/powerpoint/2010/main" val="3788215910"/>
+      </p:ext>
+    </p:extLst>
+  </p:cSld>
+  <p:clrMapOvr>
+    <a:masterClrMapping/>
+  </p:clrMapOvr>
+</p:sld>
+</file>
+
+<file path=ppt/slides/slide15.xml><?xml version="1.0" encoding="utf-8"?>
+<p:sld xmlns:a="http://schemas.openxmlformats.org/drawingml/2006/main" xmlns:r="http://schemas.openxmlformats.org/officeDocument/2006/relationships" xmlns:p="http://schemas.openxmlformats.org/presentationml/2006/main">
+  <p:cSld>
+    <p:spTree>
+      <p:nvGrpSpPr>
+        <p:cNvPr id="1" name=""/>
+        <p:cNvGrpSpPr/>
+        <p:nvPr/>
+      </p:nvGrpSpPr>
+      <p:grpSpPr>
+        <a:xfrm>
+          <a:off x="0" y="0"/>
+          <a:ext cx="0" cy="0"/>
+          <a:chOff x="0" y="0"/>
+          <a:chExt cx="0" cy="0"/>
+        </a:xfrm>
+      </p:grpSpPr>
+      <p:sp>
+        <p:nvSpPr>
+          <p:cNvPr id="10" name="Rectangle: Rounded Corners 9">
+            <a:extLst>
+              <a:ext uri="{FF2B5EF4-FFF2-40B4-BE49-F238E27FC236}">
+                <a16:creationId xmlns:a16="http://schemas.microsoft.com/office/drawing/2014/main" id="{6EE0EA48-9FEB-2763-FFA9-DF5F6F8911FB}"/>
+              </a:ext>
+            </a:extLst>
+          </p:cNvPr>
+          <p:cNvSpPr/>
+          <p:nvPr/>
+        </p:nvSpPr>
+        <p:spPr>
+          <a:xfrm>
+            <a:off x="302299" y="235037"/>
+            <a:ext cx="11587397" cy="6387923"/>
+          </a:xfrm>
+          <a:prstGeom prst="roundRect">
+            <a:avLst>
+              <a:gd name="adj" fmla="val 18853"/>
+            </a:avLst>
+          </a:prstGeom>
+          <a:noFill/>
+          <a:ln w="12700">
+            <a:solidFill>
+              <a:srgbClr val="660066"/>
+            </a:solidFill>
+          </a:ln>
+        </p:spPr>
+        <p:style>
+          <a:lnRef idx="2">
+            <a:schemeClr val="accent1">
+              <a:shade val="15000"/>
+            </a:schemeClr>
+          </a:lnRef>
+          <a:fillRef idx="1">
+            <a:schemeClr val="accent1"/>
+          </a:fillRef>
+          <a:effectRef idx="0">
+            <a:schemeClr val="accent1"/>
+          </a:effectRef>
+          <a:fontRef idx="minor">
+            <a:schemeClr val="lt1"/>
+          </a:fontRef>
+        </p:style>
+        <p:txBody>
+          <a:bodyPr rtlCol="0" anchor="ctr"/>
+          <a:lstStyle/>
+          <a:p>
+            <a:pPr algn="ctr"/>
+            <a:endParaRPr lang="en-US"/>
+          </a:p>
+        </p:txBody>
+      </p:sp>
+      <p:sp>
+        <p:nvSpPr>
+          <p:cNvPr id="9" name="Rectangle: Rounded Corners 8">
+            <a:extLst>
+              <a:ext uri="{FF2B5EF4-FFF2-40B4-BE49-F238E27FC236}">
+                <a16:creationId xmlns:a16="http://schemas.microsoft.com/office/drawing/2014/main" id="{5DBBEA9E-A041-7D11-BDE1-24FD15D9A8D6}"/>
+              </a:ext>
+            </a:extLst>
+          </p:cNvPr>
+          <p:cNvSpPr/>
+          <p:nvPr/>
+        </p:nvSpPr>
+        <p:spPr>
+          <a:xfrm>
+            <a:off x="152400" y="152400"/>
+            <a:ext cx="11887200" cy="6553199"/>
+          </a:xfrm>
+          <a:prstGeom prst="roundRect">
+            <a:avLst>
+              <a:gd name="adj" fmla="val 18853"/>
+            </a:avLst>
+          </a:prstGeom>
+          <a:noFill/>
+          <a:ln w="12700">
+            <a:solidFill>
+              <a:srgbClr val="660066"/>
+            </a:solidFill>
+          </a:ln>
+        </p:spPr>
+        <p:style>
+          <a:lnRef idx="2">
+            <a:schemeClr val="accent1">
+              <a:shade val="15000"/>
+            </a:schemeClr>
+          </a:lnRef>
+          <a:fillRef idx="1">
+            <a:schemeClr val="accent1"/>
+          </a:fillRef>
+          <a:effectRef idx="0">
+            <a:schemeClr val="accent1"/>
+          </a:effectRef>
+          <a:fontRef idx="minor">
+            <a:schemeClr val="lt1"/>
+          </a:fontRef>
+        </p:style>
+        <p:txBody>
+          <a:bodyPr rtlCol="0" anchor="ctr"/>
+          <a:lstStyle/>
+          <a:p>
+            <a:pPr algn="ctr"/>
+            <a:endParaRPr lang="en-US" dirty="0"/>
+          </a:p>
+        </p:txBody>
+      </p:sp>
+      <p:sp>
+        <p:nvSpPr>
+          <p:cNvPr id="12" name="Line 11"/>
+          <p:cNvSpPr>
+            <a:spLocks noChangeShapeType="1"/>
+          </p:cNvSpPr>
+          <p:nvPr/>
+        </p:nvSpPr>
+        <p:spPr bwMode="auto">
+          <a:xfrm flipV="1">
+            <a:off x="6972300" y="5109836"/>
+            <a:ext cx="609600" cy="533400"/>
+          </a:xfrm>
+          <a:prstGeom prst="line">
+            <a:avLst/>
+          </a:prstGeom>
+          <a:noFill/>
+          <a:ln w="38100">
+            <a:solidFill>
+              <a:srgbClr val="FFFF66"/>
+            </a:solidFill>
+            <a:round/>
+            <a:headEnd/>
+            <a:tailEnd type="triangle" w="med" len="med"/>
+          </a:ln>
+          <a:extLst>
+            <a:ext uri="{909E8E84-426E-40DD-AFC4-6F175D3DCCD1}">
+              <a14:hiddenFill xmlns:a14="http://schemas.microsoft.com/office/drawing/2010/main">
+                <a:noFill/>
+              </a14:hiddenFill>
+            </a:ext>
+          </a:extLst>
+        </p:spPr>
+        <p:txBody>
+          <a:bodyPr wrap="square">
+            <a:spAutoFit/>
+          </a:bodyPr>
+          <a:lstStyle/>
+          <a:p>
+            <a:endParaRPr lang="en-US"/>
+          </a:p>
+        </p:txBody>
+      </p:sp>
+      <p:pic>
+        <p:nvPicPr>
+          <p:cNvPr id="3" name="Picture 10" descr="Mario Pattern">
+            <a:extLst>
+              <a:ext uri="{FF2B5EF4-FFF2-40B4-BE49-F238E27FC236}">
+                <a16:creationId xmlns:a16="http://schemas.microsoft.com/office/drawing/2014/main" id="{70C83288-9D80-2729-3EE2-8CD883504850}"/>
+              </a:ext>
+            </a:extLst>
+          </p:cNvPr>
+          <p:cNvPicPr>
+            <a:picLocks noChangeAspect="1" noChangeArrowheads="1"/>
+          </p:cNvPicPr>
+          <p:nvPr/>
+        </p:nvPicPr>
+        <p:blipFill rotWithShape="1">
+          <a:blip r:embed="rId3">
+            <a:alphaModFix/>
+            <a:extLst>
+              <a:ext uri="{28A0092B-C50C-407E-A947-70E740481C1C}">
+                <a14:useLocalDpi xmlns:a14="http://schemas.microsoft.com/office/drawing/2010/main" val="0"/>
+              </a:ext>
+            </a:extLst>
+          </a:blip>
+          <a:srcRect l="4595" t="67313" r="6699" b="2019"/>
+          <a:stretch/>
+        </p:blipFill>
+        <p:spPr bwMode="auto">
+          <a:xfrm>
+            <a:off x="2040351" y="4953000"/>
+            <a:ext cx="8111283" cy="2103120"/>
+          </a:xfrm>
+          <a:prstGeom prst="rect">
+            <a:avLst/>
+          </a:prstGeom>
+          <a:noFill/>
+          <a:ln w="28575">
+            <a:noFill/>
+          </a:ln>
+          <a:effectLst>
+            <a:innerShdw blurRad="63500" dist="50800">
+              <a:prstClr val="black">
+                <a:alpha val="50000"/>
+              </a:prstClr>
+            </a:innerShdw>
+          </a:effectLst>
+          <a:extLst>
+            <a:ext uri="{909E8E84-426E-40DD-AFC4-6F175D3DCCD1}">
+              <a14:hiddenFill xmlns:a14="http://schemas.microsoft.com/office/drawing/2010/main">
+                <a:solidFill>
+                  <a:srgbClr val="FFFFFF"/>
+                </a:solidFill>
+              </a14:hiddenFill>
+            </a:ext>
+          </a:extLst>
+        </p:spPr>
+      </p:pic>
+      <p:sp>
+        <p:nvSpPr>
+          <p:cNvPr id="4" name="Rectangle: Rounded Corners 3">
+            <a:extLst>
+              <a:ext uri="{FF2B5EF4-FFF2-40B4-BE49-F238E27FC236}">
+                <a16:creationId xmlns:a16="http://schemas.microsoft.com/office/drawing/2014/main" id="{1B666B6E-7053-3022-B1D9-2AF4C282F2A0}"/>
+              </a:ext>
+            </a:extLst>
+          </p:cNvPr>
+          <p:cNvSpPr/>
+          <p:nvPr/>
+        </p:nvSpPr>
+        <p:spPr>
+          <a:xfrm>
+            <a:off x="1638293" y="4097965"/>
+            <a:ext cx="8915400" cy="1005788"/>
+          </a:xfrm>
+          <a:prstGeom prst="roundRect">
+            <a:avLst>
+              <a:gd name="adj" fmla="val 18853"/>
+            </a:avLst>
+          </a:prstGeom>
+          <a:solidFill>
+            <a:srgbClr val="2D3A37"/>
+          </a:solidFill>
+          <a:ln w="57150">
+            <a:noFill/>
+          </a:ln>
+        </p:spPr>
+        <p:style>
+          <a:lnRef idx="2">
+            <a:schemeClr val="accent1">
+              <a:shade val="15000"/>
+            </a:schemeClr>
+          </a:lnRef>
+          <a:fillRef idx="1">
+            <a:schemeClr val="accent1"/>
+          </a:fillRef>
+          <a:effectRef idx="0">
+            <a:schemeClr val="accent1"/>
+          </a:effectRef>
+          <a:fontRef idx="minor">
+            <a:schemeClr val="lt1"/>
+          </a:fontRef>
+        </p:style>
+        <p:txBody>
+          <a:bodyPr rtlCol="0" anchor="ctr"/>
+          <a:lstStyle/>
+          <a:p>
+            <a:pPr algn="ctr"/>
+            <a:endParaRPr lang="en-US"/>
+          </a:p>
+        </p:txBody>
+      </p:sp>
+      <p:sp>
+        <p:nvSpPr>
+          <p:cNvPr id="5" name="TextBox 4">
+            <a:extLst>
+              <a:ext uri="{FF2B5EF4-FFF2-40B4-BE49-F238E27FC236}">
+                <a16:creationId xmlns:a16="http://schemas.microsoft.com/office/drawing/2014/main" id="{861E9A78-74F4-2AA0-408A-B2F37D1DA24C}"/>
+              </a:ext>
+            </a:extLst>
+          </p:cNvPr>
+          <p:cNvSpPr txBox="1"/>
+          <p:nvPr/>
+        </p:nvSpPr>
+        <p:spPr>
+          <a:xfrm>
+            <a:off x="952490" y="1364366"/>
+            <a:ext cx="10287001" cy="1938992"/>
+          </a:xfrm>
+          <a:prstGeom prst="rect">
+            <a:avLst/>
+          </a:prstGeom>
+          <a:noFill/>
+        </p:spPr>
+        <p:txBody>
+          <a:bodyPr wrap="square" rtlCol="0">
+            <a:spAutoFit/>
+          </a:bodyPr>
+          <a:lstStyle/>
+          <a:p>
+            <a:pPr algn="ctr"/>
+            <a:r>
+              <a:rPr lang="en-US" sz="12000" dirty="0">
+                <a:solidFill>
+                  <a:srgbClr val="2D3A37"/>
+                </a:solidFill>
+                <a:latin typeface="Adobe Devanagari" panose="02040503050201020203" pitchFamily="18" charset="0"/>
+                <a:cs typeface="Adobe Devanagari" panose="02040503050201020203" pitchFamily="18" charset="0"/>
+              </a:rPr>
+              <a:t>Thank You</a:t>
+            </a:r>
+          </a:p>
+        </p:txBody>
+      </p:sp>
+      <p:sp>
+        <p:nvSpPr>
+          <p:cNvPr id="8" name="TextBox 7">
+            <a:extLst>
+              <a:ext uri="{FF2B5EF4-FFF2-40B4-BE49-F238E27FC236}">
+                <a16:creationId xmlns:a16="http://schemas.microsoft.com/office/drawing/2014/main" id="{D782FFA3-2177-56BA-6786-898DA3D642FF}"/>
+              </a:ext>
+            </a:extLst>
+          </p:cNvPr>
+          <p:cNvSpPr txBox="1"/>
+          <p:nvPr/>
+        </p:nvSpPr>
+        <p:spPr>
+          <a:xfrm>
+            <a:off x="952490" y="2713031"/>
+            <a:ext cx="10287001" cy="800219"/>
+          </a:xfrm>
+          <a:prstGeom prst="rect">
+            <a:avLst/>
+          </a:prstGeom>
+          <a:noFill/>
+        </p:spPr>
+        <p:txBody>
+          <a:bodyPr wrap="square" rtlCol="0">
+            <a:spAutoFit/>
+          </a:bodyPr>
+          <a:lstStyle/>
+          <a:p>
+            <a:pPr algn="ctr"/>
+            <a:r>
+              <a:rPr lang="en-US" sz="4600" i="1" dirty="0">
+                <a:solidFill>
+                  <a:srgbClr val="660066"/>
+                </a:solidFill>
+                <a:cs typeface="Adobe Devanagari" panose="02040503050201020203" pitchFamily="18" charset="0"/>
+              </a:rPr>
+              <a:t>Make Reasonable Decisions</a:t>
+            </a:r>
+          </a:p>
+        </p:txBody>
+      </p:sp>
+    </p:spTree>
+    <p:extLst>
+      <p:ext uri="{BB962C8B-B14F-4D97-AF65-F5344CB8AC3E}">
+        <p14:creationId xmlns:p14="http://schemas.microsoft.com/office/powerpoint/2010/main" val="3266410475"/>
       </p:ext>
     </p:extLst>
   </p:cSld>
@@ -9769,86 +10323,6 @@
           </a:fontRef>
         </p:style>
       </p:cxnSp>
-      <p:sp>
-        <p:nvSpPr>
-          <p:cNvPr id="24" name="TextBox 23">
-            <a:extLst>
-              <a:ext uri="{FF2B5EF4-FFF2-40B4-BE49-F238E27FC236}">
-                <a16:creationId xmlns:a16="http://schemas.microsoft.com/office/drawing/2014/main" id="{91468417-64DA-A060-9885-2F7F61F2C60E}"/>
-              </a:ext>
-            </a:extLst>
-          </p:cNvPr>
-          <p:cNvSpPr txBox="1"/>
-          <p:nvPr/>
-        </p:nvSpPr>
-        <p:spPr>
-          <a:xfrm>
-            <a:off x="841663" y="4442377"/>
-            <a:ext cx="1981200" cy="400110"/>
-          </a:xfrm>
-          <a:prstGeom prst="rect">
-            <a:avLst/>
-          </a:prstGeom>
-          <a:noFill/>
-        </p:spPr>
-        <p:txBody>
-          <a:bodyPr wrap="square" rtlCol="0">
-            <a:spAutoFit/>
-          </a:bodyPr>
-          <a:lstStyle/>
-          <a:p>
-            <a:pPr algn="ctr"/>
-            <a:r>
-              <a:rPr lang="en-US" sz="2000" i="1" dirty="0">
-                <a:solidFill>
-                  <a:srgbClr val="660066"/>
-                </a:solidFill>
-              </a:rPr>
-              <a:t>LEGO Theme</a:t>
-            </a:r>
-          </a:p>
-        </p:txBody>
-      </p:sp>
-      <p:sp>
-        <p:nvSpPr>
-          <p:cNvPr id="25" name="TextBox 24">
-            <a:extLst>
-              <a:ext uri="{FF2B5EF4-FFF2-40B4-BE49-F238E27FC236}">
-                <a16:creationId xmlns:a16="http://schemas.microsoft.com/office/drawing/2014/main" id="{992BAD34-5806-380C-44F2-99CE85567B90}"/>
-              </a:ext>
-            </a:extLst>
-          </p:cNvPr>
-          <p:cNvSpPr txBox="1"/>
-          <p:nvPr/>
-        </p:nvSpPr>
-        <p:spPr>
-          <a:xfrm>
-            <a:off x="3446318" y="4442377"/>
-            <a:ext cx="1981200" cy="400110"/>
-          </a:xfrm>
-          <a:prstGeom prst="rect">
-            <a:avLst/>
-          </a:prstGeom>
-          <a:noFill/>
-        </p:spPr>
-        <p:txBody>
-          <a:bodyPr wrap="square" rtlCol="0">
-            <a:spAutoFit/>
-          </a:bodyPr>
-          <a:lstStyle/>
-          <a:p>
-            <a:pPr algn="ctr"/>
-            <a:r>
-              <a:rPr lang="en-US" sz="2000" i="1" dirty="0">
-                <a:solidFill>
-                  <a:srgbClr val="660066"/>
-                </a:solidFill>
-              </a:rPr>
-              <a:t>LEGO Ages</a:t>
-            </a:r>
-          </a:p>
-        </p:txBody>
-      </p:sp>
     </p:spTree>
     <p:extLst>
       <p:ext uri="{BB962C8B-B14F-4D97-AF65-F5344CB8AC3E}">
